--- a/Aulas 1ro Bim/Aula 5 e 6 - Planejamento e Gerenciamento de Projetos.pptx
+++ b/Aulas 1ro Bim/Aula 5 e 6 - Planejamento e Gerenciamento de Projetos.pptx
@@ -2,64 +2,64 @@
 <file path=ppt/presentation.xml><?xml version="1.0" encoding="utf-8"?>
 <p:presentation xmlns:a="http://schemas.openxmlformats.org/drawingml/2006/main" xmlns:r="http://schemas.openxmlformats.org/officeDocument/2006/relationships" xmlns:p="http://schemas.openxmlformats.org/presentationml/2006/main" showSpecialPlsOnTitleSld="0" saveSubsetFonts="1">
   <p:sldMasterIdLst>
-    <p:sldMasterId id="2147483696" r:id="rId1"/>
-    <p:sldMasterId id="2147483709" r:id="rId2"/>
+    <p:sldMasterId id="2147483696" r:id="rId4"/>
+    <p:sldMasterId id="2147483709" r:id="rId5"/>
   </p:sldMasterIdLst>
   <p:notesMasterIdLst>
-    <p:notesMasterId r:id="rId51"/>
+    <p:notesMasterId r:id="rId54"/>
   </p:notesMasterIdLst>
   <p:handoutMasterIdLst>
-    <p:handoutMasterId r:id="rId52"/>
+    <p:handoutMasterId r:id="rId55"/>
   </p:handoutMasterIdLst>
   <p:sldIdLst>
-    <p:sldId id="256" r:id="rId3"/>
-    <p:sldId id="409" r:id="rId4"/>
-    <p:sldId id="411" r:id="rId5"/>
-    <p:sldId id="488" r:id="rId6"/>
-    <p:sldId id="344" r:id="rId7"/>
-    <p:sldId id="354" r:id="rId8"/>
-    <p:sldId id="355" r:id="rId9"/>
-    <p:sldId id="357" r:id="rId10"/>
-    <p:sldId id="358" r:id="rId11"/>
-    <p:sldId id="360" r:id="rId12"/>
-    <p:sldId id="361" r:id="rId13"/>
-    <p:sldId id="362" r:id="rId14"/>
-    <p:sldId id="363" r:id="rId15"/>
-    <p:sldId id="364" r:id="rId16"/>
-    <p:sldId id="365" r:id="rId17"/>
-    <p:sldId id="459" r:id="rId18"/>
-    <p:sldId id="366" r:id="rId19"/>
-    <p:sldId id="460" r:id="rId20"/>
-    <p:sldId id="367" r:id="rId21"/>
-    <p:sldId id="461" r:id="rId22"/>
-    <p:sldId id="369" r:id="rId23"/>
-    <p:sldId id="380" r:id="rId24"/>
-    <p:sldId id="462" r:id="rId25"/>
-    <p:sldId id="463" r:id="rId26"/>
-    <p:sldId id="464" r:id="rId27"/>
-    <p:sldId id="465" r:id="rId28"/>
-    <p:sldId id="466" r:id="rId29"/>
-    <p:sldId id="467" r:id="rId30"/>
-    <p:sldId id="469" r:id="rId31"/>
-    <p:sldId id="470" r:id="rId32"/>
-    <p:sldId id="471" r:id="rId33"/>
-    <p:sldId id="472" r:id="rId34"/>
-    <p:sldId id="474" r:id="rId35"/>
-    <p:sldId id="475" r:id="rId36"/>
-    <p:sldId id="476" r:id="rId37"/>
-    <p:sldId id="473" r:id="rId38"/>
-    <p:sldId id="477" r:id="rId39"/>
-    <p:sldId id="478" r:id="rId40"/>
-    <p:sldId id="479" r:id="rId41"/>
-    <p:sldId id="480" r:id="rId42"/>
-    <p:sldId id="481" r:id="rId43"/>
-    <p:sldId id="482" r:id="rId44"/>
-    <p:sldId id="483" r:id="rId45"/>
-    <p:sldId id="484" r:id="rId46"/>
-    <p:sldId id="485" r:id="rId47"/>
-    <p:sldId id="486" r:id="rId48"/>
-    <p:sldId id="487" r:id="rId49"/>
-    <p:sldId id="406" r:id="rId50"/>
+    <p:sldId id="256" r:id="rId6"/>
+    <p:sldId id="409" r:id="rId7"/>
+    <p:sldId id="411" r:id="rId8"/>
+    <p:sldId id="488" r:id="rId9"/>
+    <p:sldId id="344" r:id="rId10"/>
+    <p:sldId id="354" r:id="rId11"/>
+    <p:sldId id="355" r:id="rId12"/>
+    <p:sldId id="357" r:id="rId13"/>
+    <p:sldId id="358" r:id="rId14"/>
+    <p:sldId id="360" r:id="rId15"/>
+    <p:sldId id="361" r:id="rId16"/>
+    <p:sldId id="362" r:id="rId17"/>
+    <p:sldId id="363" r:id="rId18"/>
+    <p:sldId id="364" r:id="rId19"/>
+    <p:sldId id="365" r:id="rId20"/>
+    <p:sldId id="459" r:id="rId21"/>
+    <p:sldId id="366" r:id="rId22"/>
+    <p:sldId id="460" r:id="rId23"/>
+    <p:sldId id="367" r:id="rId24"/>
+    <p:sldId id="461" r:id="rId25"/>
+    <p:sldId id="369" r:id="rId26"/>
+    <p:sldId id="380" r:id="rId27"/>
+    <p:sldId id="462" r:id="rId28"/>
+    <p:sldId id="463" r:id="rId29"/>
+    <p:sldId id="464" r:id="rId30"/>
+    <p:sldId id="465" r:id="rId31"/>
+    <p:sldId id="466" r:id="rId32"/>
+    <p:sldId id="467" r:id="rId33"/>
+    <p:sldId id="469" r:id="rId34"/>
+    <p:sldId id="470" r:id="rId35"/>
+    <p:sldId id="471" r:id="rId36"/>
+    <p:sldId id="472" r:id="rId37"/>
+    <p:sldId id="474" r:id="rId38"/>
+    <p:sldId id="475" r:id="rId39"/>
+    <p:sldId id="476" r:id="rId40"/>
+    <p:sldId id="473" r:id="rId41"/>
+    <p:sldId id="477" r:id="rId42"/>
+    <p:sldId id="478" r:id="rId43"/>
+    <p:sldId id="479" r:id="rId44"/>
+    <p:sldId id="480" r:id="rId45"/>
+    <p:sldId id="481" r:id="rId46"/>
+    <p:sldId id="482" r:id="rId47"/>
+    <p:sldId id="483" r:id="rId48"/>
+    <p:sldId id="484" r:id="rId49"/>
+    <p:sldId id="485" r:id="rId50"/>
+    <p:sldId id="486" r:id="rId51"/>
+    <p:sldId id="487" r:id="rId52"/>
+    <p:sldId id="406" r:id="rId53"/>
   </p:sldIdLst>
   <p:sldSz cx="9144000" cy="6858000" type="screen4x3"/>
   <p:notesSz cx="6854825" cy="9750425"/>
@@ -517,7 +517,7 @@
             <a:fld id="{3FD67FBA-55B5-41E6-AFE0-E19AEB1D0829}" type="slidenum">
               <a:rPr lang="pt-BR" altLang="pt-BR"/>
               <a:pPr/>
-              <a:t>‹nº›</a:t>
+              <a:t>‹#›</a:t>
             </a:fld>
             <a:endParaRPr lang="pt-BR" altLang="pt-BR"/>
           </a:p>
@@ -970,7 +970,7 @@
             <a:fld id="{964A0C6B-87B8-4209-A0E4-54B1CE30D4CB}" type="slidenum">
               <a:rPr lang="pt-BR" altLang="pt-BR"/>
               <a:pPr/>
-              <a:t>‹nº›</a:t>
+              <a:t>‹#›</a:t>
             </a:fld>
             <a:endParaRPr lang="pt-BR" altLang="pt-BR"/>
           </a:p>
@@ -5808,7 +5808,7 @@
           <a:p>
             <a:fld id="{8132BAC0-E50D-4212-B80D-823E33AFF914}" type="slidenum">
               <a:rPr lang="pt-BR" smtClean="0"/>
-              <a:t>‹nº›</a:t>
+              <a:t>‹#›</a:t>
             </a:fld>
             <a:endParaRPr lang="pt-BR"/>
           </a:p>
@@ -5969,7 +5969,7 @@
           <a:p>
             <a:fld id="{8132BAC0-E50D-4212-B80D-823E33AFF914}" type="slidenum">
               <a:rPr lang="pt-BR" smtClean="0"/>
-              <a:t>‹nº›</a:t>
+              <a:t>‹#›</a:t>
             </a:fld>
             <a:endParaRPr lang="pt-BR"/>
           </a:p>
@@ -6140,7 +6140,7 @@
           <a:p>
             <a:fld id="{8132BAC0-E50D-4212-B80D-823E33AFF914}" type="slidenum">
               <a:rPr lang="pt-BR" smtClean="0"/>
-              <a:t>‹nº›</a:t>
+              <a:t>‹#›</a:t>
             </a:fld>
             <a:endParaRPr lang="pt-BR"/>
           </a:p>
@@ -6265,7 +6265,7 @@
           <a:p>
             <a:fld id="{8132BAC0-E50D-4212-B80D-823E33AFF914}" type="slidenum">
               <a:rPr lang="pt-BR" smtClean="0"/>
-              <a:t>‹nº›</a:t>
+              <a:t>‹#›</a:t>
             </a:fld>
             <a:endParaRPr lang="pt-BR"/>
           </a:p>
@@ -6571,7 +6571,7 @@
             <a:fld id="{618F2EA1-AD69-4C47-A098-54AA6332AA71}" type="slidenum">
               <a:rPr lang="pt-BR" altLang="pt-BR" smtClean="0"/>
               <a:pPr/>
-              <a:t>‹nº›</a:t>
+              <a:t>‹#›</a:t>
             </a:fld>
             <a:endParaRPr lang="pt-BR" altLang="pt-BR"/>
           </a:p>
@@ -6710,7 +6710,7 @@
             <a:fld id="{63F498A9-4107-4ACB-8E5E-4BEF455CE75A}" type="slidenum">
               <a:rPr lang="pt-BR" altLang="pt-BR" smtClean="0"/>
               <a:pPr/>
-              <a:t>‹nº›</a:t>
+              <a:t>‹#›</a:t>
             </a:fld>
             <a:endParaRPr lang="pt-BR" altLang="pt-BR"/>
           </a:p>
@@ -6949,7 +6949,7 @@
             <a:fld id="{0939748C-7861-49BA-B918-59FF3DA14637}" type="slidenum">
               <a:rPr lang="pt-BR" altLang="pt-BR" smtClean="0"/>
               <a:pPr/>
-              <a:t>‹nº›</a:t>
+              <a:t>‹#›</a:t>
             </a:fld>
             <a:endParaRPr lang="pt-BR" altLang="pt-BR"/>
           </a:p>
@@ -7340,7 +7340,7 @@
             <a:fld id="{DFC8C3BD-FDB2-4C02-B403-DFF7FF713EDE}" type="slidenum">
               <a:rPr lang="pt-BR" altLang="pt-BR" smtClean="0"/>
               <a:pPr/>
-              <a:t>‹nº›</a:t>
+              <a:t>‹#›</a:t>
             </a:fld>
             <a:endParaRPr lang="pt-BR" altLang="pt-BR"/>
           </a:p>
@@ -7770,7 +7770,7 @@
             <a:fld id="{2DDFE4A2-43E5-438B-8415-B6593A35A262}" type="slidenum">
               <a:rPr lang="pt-BR" altLang="pt-BR" smtClean="0"/>
               <a:pPr/>
-              <a:t>‹nº›</a:t>
+              <a:t>‹#›</a:t>
             </a:fld>
             <a:endParaRPr lang="pt-BR" altLang="pt-BR"/>
           </a:p>
@@ -7857,7 +7857,7 @@
             <a:fld id="{C2519166-6EB7-4FFC-83F8-D039E9D4DAB2}" type="slidenum">
               <a:rPr lang="pt-BR" altLang="pt-BR" smtClean="0"/>
               <a:pPr/>
-              <a:t>‹nº›</a:t>
+              <a:t>‹#›</a:t>
             </a:fld>
             <a:endParaRPr lang="pt-BR" altLang="pt-BR"/>
           </a:p>
@@ -7967,7 +7967,7 @@
             <a:fld id="{DCDF9EC1-1343-4C2B-A9D1-C89E85976890}" type="slidenum">
               <a:rPr lang="pt-BR" altLang="pt-BR" smtClean="0"/>
               <a:pPr/>
-              <a:t>‹nº›</a:t>
+              <a:t>‹#›</a:t>
             </a:fld>
             <a:endParaRPr lang="pt-BR" altLang="pt-BR"/>
           </a:p>
@@ -8128,7 +8128,7 @@
           <a:p>
             <a:fld id="{8132BAC0-E50D-4212-B80D-823E33AFF914}" type="slidenum">
               <a:rPr lang="pt-BR" smtClean="0"/>
-              <a:t>‹nº›</a:t>
+              <a:t>‹#›</a:t>
             </a:fld>
             <a:endParaRPr lang="pt-BR"/>
           </a:p>
@@ -8388,7 +8388,7 @@
             <a:fld id="{2746AB83-4A7F-4F65-95D6-EA73CA15AF85}" type="slidenum">
               <a:rPr lang="pt-BR" altLang="pt-BR" smtClean="0"/>
               <a:pPr/>
-              <a:t>‹nº›</a:t>
+              <a:t>‹#›</a:t>
             </a:fld>
             <a:endParaRPr lang="pt-BR" altLang="pt-BR"/>
           </a:p>
@@ -8604,7 +8604,7 @@
             <a:fld id="{2C2ADD04-0438-40F9-9F42-9CBC1394CDF8}" type="slidenum">
               <a:rPr lang="pt-BR" altLang="pt-BR" smtClean="0"/>
               <a:pPr/>
-              <a:t>‹nº›</a:t>
+              <a:t>‹#›</a:t>
             </a:fld>
             <a:endParaRPr lang="pt-BR" altLang="pt-BR"/>
           </a:p>
@@ -8975,7 +8975,7 @@
             <a:fld id="{C50634E0-494A-4F05-A4F1-F41DC90806BB}" type="slidenum">
               <a:rPr lang="pt-BR" altLang="pt-BR" smtClean="0"/>
               <a:pPr/>
-              <a:t>‹nº›</a:t>
+              <a:t>‹#›</a:t>
             </a:fld>
             <a:endParaRPr lang="pt-BR" altLang="pt-BR"/>
           </a:p>
@@ -9147,7 +9147,7 @@
             <a:fld id="{8A888BF2-35AE-4A0C-8B4D-1B33B962AAE1}" type="slidenum">
               <a:rPr lang="pt-BR" altLang="pt-BR" smtClean="0"/>
               <a:pPr/>
-              <a:t>‹nº›</a:t>
+              <a:t>‹#›</a:t>
             </a:fld>
             <a:endParaRPr lang="pt-BR" altLang="pt-BR"/>
           </a:p>
@@ -9696,7 +9696,7 @@
           <a:p>
             <a:fld id="{8132BAC0-E50D-4212-B80D-823E33AFF914}" type="slidenum">
               <a:rPr lang="pt-BR" smtClean="0"/>
-              <a:t>‹nº›</a:t>
+              <a:t>‹#›</a:t>
             </a:fld>
             <a:endParaRPr lang="pt-BR"/>
           </a:p>
@@ -9952,7 +9952,7 @@
           <a:p>
             <a:fld id="{8132BAC0-E50D-4212-B80D-823E33AFF914}" type="slidenum">
               <a:rPr lang="pt-BR" smtClean="0"/>
-              <a:t>‹nº›</a:t>
+              <a:t>‹#›</a:t>
             </a:fld>
             <a:endParaRPr lang="pt-BR"/>
           </a:p>
@@ -10436,7 +10436,7 @@
           <a:p>
             <a:fld id="{8132BAC0-E50D-4212-B80D-823E33AFF914}" type="slidenum">
               <a:rPr lang="pt-BR" smtClean="0"/>
-              <a:t>‹nº›</a:t>
+              <a:t>‹#›</a:t>
             </a:fld>
             <a:endParaRPr lang="pt-BR"/>
           </a:p>
@@ -10545,7 +10545,7 @@
           <a:p>
             <a:fld id="{8132BAC0-E50D-4212-B80D-823E33AFF914}" type="slidenum">
               <a:rPr lang="pt-BR" smtClean="0"/>
-              <a:t>‹nº›</a:t>
+              <a:t>‹#›</a:t>
             </a:fld>
             <a:endParaRPr lang="pt-BR"/>
           </a:p>
@@ -10631,7 +10631,7 @@
           <a:p>
             <a:fld id="{8132BAC0-E50D-4212-B80D-823E33AFF914}" type="slidenum">
               <a:rPr lang="pt-BR" smtClean="0"/>
-              <a:t>‹nº›</a:t>
+              <a:t>‹#›</a:t>
             </a:fld>
             <a:endParaRPr lang="pt-BR"/>
           </a:p>
@@ -11079,7 +11079,7 @@
           <a:p>
             <a:fld id="{8132BAC0-E50D-4212-B80D-823E33AFF914}" type="slidenum">
               <a:rPr lang="pt-BR" smtClean="0"/>
-              <a:t>‹nº›</a:t>
+              <a:t>‹#›</a:t>
             </a:fld>
             <a:endParaRPr lang="pt-BR"/>
           </a:p>
@@ -11586,7 +11586,7 @@
           <a:p>
             <a:fld id="{8132BAC0-E50D-4212-B80D-823E33AFF914}" type="slidenum">
               <a:rPr lang="pt-BR" smtClean="0"/>
-              <a:t>‹nº›</a:t>
+              <a:t>‹#›</a:t>
             </a:fld>
             <a:endParaRPr lang="pt-BR"/>
           </a:p>
@@ -12461,7 +12461,7 @@
           <a:p>
             <a:fld id="{8132BAC0-E50D-4212-B80D-823E33AFF914}" type="slidenum">
               <a:rPr lang="pt-BR" smtClean="0"/>
-              <a:t>‹nº›</a:t>
+              <a:t>‹#›</a:t>
             </a:fld>
             <a:endParaRPr lang="pt-BR"/>
           </a:p>
@@ -12993,7 +12993,7 @@
             <a:fld id="{2644E1D9-A5D9-42C1-8946-3B1C55D029F9}" type="slidenum">
               <a:rPr lang="pt-BR" altLang="pt-BR" smtClean="0"/>
               <a:pPr/>
-              <a:t>‹nº›</a:t>
+              <a:t>‹#›</a:t>
             </a:fld>
             <a:endParaRPr lang="pt-BR" altLang="pt-BR"/>
           </a:p>
@@ -23648,7 +23648,7 @@
                 <a:effectLst/>
                 <a:latin typeface="+mn-lt"/>
               </a:rPr>
-              <a:t>Já numa equipe, as habilidades de cada um são constantemente testadas e melhoradas através do relacionamento entre os membros, e todos cão ficando melhores.</a:t>
+              <a:t>Já numa equipe, as habilidades de cada um são constantemente testadas e melhoradas através do relacionamento entre os membros, e todos vão ficando melhores.</a:t>
             </a:r>
             <a:endParaRPr lang="pt-BR" sz="3200" kern="0" dirty="0">
               <a:latin typeface="+mn-lt"/>
@@ -24545,7 +24545,7 @@
             </a:pPr>
             <a:r>
               <a:rPr lang="pt-BR" sz="2100" kern="0" dirty="0"/>
-              <a:t>Apresentando de soluções para a resolução de problemas;</a:t>
+              <a:t>Apresentando soluções para a resolução de problemas;</a:t>
             </a:r>
           </a:p>
           <a:p>
@@ -24556,7 +24556,7 @@
             </a:pPr>
             <a:r>
               <a:rPr lang="pt-BR" sz="2100" kern="0" dirty="0"/>
-              <a:t>Coordenando de mudanças;</a:t>
+              <a:t>Coordenando as mudanças;</a:t>
             </a:r>
           </a:p>
           <a:p>
@@ -24956,7 +24956,7 @@
             </a:pPr>
             <a:r>
               <a:rPr lang="pt-BR" sz="2500" kern="0" dirty="0"/>
-              <a:t>O gerenciamento das comunicações do projeto caracteriza-se pela geração, coleta distribuição, armazenamento, recuperação e destinação final das informações sobre o projeto de forma oportuna e adequada e pode ser traduzido através de processos de: </a:t>
+              <a:t>O gerenciamento das comunicações do projeto caracteriza-se pela geração, coleta, distribuição, armazenamento, recuperação e destinação final das informações sobre o projeto de forma oportuna e adequada e pode ser traduzido através de processos de: </a:t>
             </a:r>
           </a:p>
           <a:p>
@@ -27274,7 +27274,7 @@
               <a:rPr lang="pt-BR" sz="2200" kern="0" dirty="0">
                 <a:latin typeface="+mn-lt"/>
               </a:rPr>
-              <a:t>, está fora de moda e não agr4ega valor;</a:t>
+              <a:t>, está fora de moda e não agrega valor;</a:t>
             </a:r>
           </a:p>
           <a:p>
@@ -30700,6 +30700,21 @@
 </file>
 
 <file path=customXml/item1.xml><?xml version="1.0" encoding="utf-8"?>
+<p:properties xmlns:p="http://schemas.microsoft.com/office/2006/metadata/properties" xmlns:xsi="http://www.w3.org/2001/XMLSchema-instance" xmlns:pc="http://schemas.microsoft.com/office/infopath/2007/PartnerControls">
+  <documentManagement/>
+</p:properties>
+</file>
+
+<file path=customXml/item2.xml><?xml version="1.0" encoding="utf-8"?>
+<?mso-contentType ?>
+<FormTemplates xmlns="http://schemas.microsoft.com/sharepoint/v3/contenttype/forms">
+  <Display>DocumentLibraryForm</Display>
+  <Edit>DocumentLibraryForm</Edit>
+  <New>DocumentLibraryForm</New>
+</FormTemplates>
+</file>
+
+<file path=customXml/item3.xml><?xml version="1.0" encoding="utf-8"?>
 <ct:contentTypeSchema xmlns:ct="http://schemas.microsoft.com/office/2006/metadata/contentType" xmlns:ma="http://schemas.microsoft.com/office/2006/metadata/properties/metaAttributes" ct:_="" ma:_="" ma:contentTypeName="Documento" ma:contentTypeID="0x010100F52C5CF0618D9F429CEC3EBEA1BACF0E" ma:contentTypeVersion="0" ma:contentTypeDescription="Crie um novo documento." ma:contentTypeScope="" ma:versionID="c4cf412edfcad46e187462d1cee4d741">
   <xsd:schema xmlns:xsd="http://www.w3.org/2001/XMLSchema" xmlns:xs="http://www.w3.org/2001/XMLSchema" xmlns:p="http://schemas.microsoft.com/office/2006/metadata/properties" targetNamespace="http://schemas.microsoft.com/office/2006/metadata/properties" ma:root="true" ma:fieldsID="574c6ccb71ee63fbc30cff3237551ec3">
     <xsd:element name="properties">
@@ -30813,29 +30828,35 @@
 </ct:contentTypeSchema>
 </file>
 
-<file path=customXml/item2.xml><?xml version="1.0" encoding="utf-8"?>
-<?mso-contentType ?>
-<FormTemplates xmlns="http://schemas.microsoft.com/sharepoint/v3/contenttype/forms">
-  <Display>DocumentLibraryForm</Display>
-  <Edit>DocumentLibraryForm</Edit>
-  <New>DocumentLibraryForm</New>
-</FormTemplates>
-</file>
-
-<file path=customXml/item3.xml><?xml version="1.0" encoding="utf-8"?>
-<p:properties xmlns:p="http://schemas.microsoft.com/office/2006/metadata/properties" xmlns:xsi="http://www.w3.org/2001/XMLSchema-instance" xmlns:pc="http://schemas.microsoft.com/office/infopath/2007/PartnerControls">
-  <documentManagement/>
-</p:properties>
-</file>
-
 <file path=customXml/itemProps1.xml><?xml version="1.0" encoding="utf-8"?>
-<ds:datastoreItem xmlns:ds="http://schemas.openxmlformats.org/officeDocument/2006/customXml" ds:itemID="{6B7D8E36-4263-4796-AD22-ECE122C7C31B}"/>
+<ds:datastoreItem xmlns:ds="http://schemas.openxmlformats.org/officeDocument/2006/customXml" ds:itemID="{7B191199-223E-4326-BD2B-CFFAA6E18C91}">
+  <ds:schemaRefs>
+    <ds:schemaRef ds:uri="http://schemas.microsoft.com/office/2006/metadata/properties"/>
+    <ds:schemaRef ds:uri="http://schemas.microsoft.com/office/infopath/2007/PartnerControls"/>
+  </ds:schemaRefs>
+</ds:datastoreItem>
 </file>
 
 <file path=customXml/itemProps2.xml><?xml version="1.0" encoding="utf-8"?>
-<ds:datastoreItem xmlns:ds="http://schemas.openxmlformats.org/officeDocument/2006/customXml" ds:itemID="{11CE9100-D793-436F-8CEB-69A79046BA87}"/>
+<ds:datastoreItem xmlns:ds="http://schemas.openxmlformats.org/officeDocument/2006/customXml" ds:itemID="{11CE9100-D793-436F-8CEB-69A79046BA87}">
+  <ds:schemaRefs>
+    <ds:schemaRef ds:uri="http://schemas.microsoft.com/sharepoint/v3/contenttype/forms"/>
+  </ds:schemaRefs>
+</ds:datastoreItem>
 </file>
 
 <file path=customXml/itemProps3.xml><?xml version="1.0" encoding="utf-8"?>
-<ds:datastoreItem xmlns:ds="http://schemas.openxmlformats.org/officeDocument/2006/customXml" ds:itemID="{7B191199-223E-4326-BD2B-CFFAA6E18C91}"/>
+<ds:datastoreItem xmlns:ds="http://schemas.openxmlformats.org/officeDocument/2006/customXml" ds:itemID="{6B7D8E36-4263-4796-AD22-ECE122C7C31B}">
+  <ds:schemaRefs>
+    <ds:schemaRef ds:uri="http://schemas.microsoft.com/office/2006/metadata/contentType"/>
+    <ds:schemaRef ds:uri="http://schemas.microsoft.com/office/2006/metadata/properties/metaAttributes"/>
+    <ds:schemaRef ds:uri="http://www.w3.org/2001/XMLSchema"/>
+    <ds:schemaRef ds:uri="http://schemas.microsoft.com/office/2006/metadata/properties"/>
+    <ds:schemaRef ds:uri="http://schemas.openxmlformats.org/package/2006/metadata/core-properties"/>
+    <ds:schemaRef ds:uri="http://purl.org/dc/elements/1.1/"/>
+    <ds:schemaRef ds:uri="http://purl.org/dc/terms/"/>
+    <ds:schemaRef ds:uri="http://schemas.microsoft.com/internal/obd"/>
+    <ds:schemaRef ds:uri="http://schemas.microsoft.com/office/infopath/2007/PartnerControls"/>
+  </ds:schemaRefs>
+</ds:datastoreItem>
 </file>